--- a/docs/esquema_LSTM+FC.pptx
+++ b/docs/esquema_LSTM+FC.pptx
@@ -105,6 +105,11 @@
       </a:defRPr>
     </a:lvl9pPr>
   </p:defaultTextStyle>
+  <p:extLst>
+    <p:ext uri="{EFAFB233-063F-42B5-8137-9DF3F51BA10A}">
+      <p15:sldGuideLst xmlns:p15="http://schemas.microsoft.com/office/powerpoint/2012/main"/>
+    </p:ext>
+  </p:extLst>
 </p:presentation>
 </file>
 
@@ -257,7 +262,7 @@
           <a:p>
             <a:fld id="{06BCACC7-8062-47A5-9E8D-17DF4420A138}" type="datetimeFigureOut">
               <a:rPr lang="en-GB" smtClean="0"/>
-              <a:t>19/09/2023</a:t>
+              <a:t>01/10/2023</a:t>
             </a:fld>
             <a:endParaRPr lang="en-GB"/>
           </a:p>
@@ -457,7 +462,7 @@
           <a:p>
             <a:fld id="{06BCACC7-8062-47A5-9E8D-17DF4420A138}" type="datetimeFigureOut">
               <a:rPr lang="en-GB" smtClean="0"/>
-              <a:t>19/09/2023</a:t>
+              <a:t>01/10/2023</a:t>
             </a:fld>
             <a:endParaRPr lang="en-GB"/>
           </a:p>
@@ -667,7 +672,7 @@
           <a:p>
             <a:fld id="{06BCACC7-8062-47A5-9E8D-17DF4420A138}" type="datetimeFigureOut">
               <a:rPr lang="en-GB" smtClean="0"/>
-              <a:t>19/09/2023</a:t>
+              <a:t>01/10/2023</a:t>
             </a:fld>
             <a:endParaRPr lang="en-GB"/>
           </a:p>
@@ -867,7 +872,7 @@
           <a:p>
             <a:fld id="{06BCACC7-8062-47A5-9E8D-17DF4420A138}" type="datetimeFigureOut">
               <a:rPr lang="en-GB" smtClean="0"/>
-              <a:t>19/09/2023</a:t>
+              <a:t>01/10/2023</a:t>
             </a:fld>
             <a:endParaRPr lang="en-GB"/>
           </a:p>
@@ -1143,7 +1148,7 @@
           <a:p>
             <a:fld id="{06BCACC7-8062-47A5-9E8D-17DF4420A138}" type="datetimeFigureOut">
               <a:rPr lang="en-GB" smtClean="0"/>
-              <a:t>19/09/2023</a:t>
+              <a:t>01/10/2023</a:t>
             </a:fld>
             <a:endParaRPr lang="en-GB"/>
           </a:p>
@@ -1411,7 +1416,7 @@
           <a:p>
             <a:fld id="{06BCACC7-8062-47A5-9E8D-17DF4420A138}" type="datetimeFigureOut">
               <a:rPr lang="en-GB" smtClean="0"/>
-              <a:t>19/09/2023</a:t>
+              <a:t>01/10/2023</a:t>
             </a:fld>
             <a:endParaRPr lang="en-GB"/>
           </a:p>
@@ -1826,7 +1831,7 @@
           <a:p>
             <a:fld id="{06BCACC7-8062-47A5-9E8D-17DF4420A138}" type="datetimeFigureOut">
               <a:rPr lang="en-GB" smtClean="0"/>
-              <a:t>19/09/2023</a:t>
+              <a:t>01/10/2023</a:t>
             </a:fld>
             <a:endParaRPr lang="en-GB"/>
           </a:p>
@@ -1968,7 +1973,7 @@
           <a:p>
             <a:fld id="{06BCACC7-8062-47A5-9E8D-17DF4420A138}" type="datetimeFigureOut">
               <a:rPr lang="en-GB" smtClean="0"/>
-              <a:t>19/09/2023</a:t>
+              <a:t>01/10/2023</a:t>
             </a:fld>
             <a:endParaRPr lang="en-GB"/>
           </a:p>
@@ -2081,7 +2086,7 @@
           <a:p>
             <a:fld id="{06BCACC7-8062-47A5-9E8D-17DF4420A138}" type="datetimeFigureOut">
               <a:rPr lang="en-GB" smtClean="0"/>
-              <a:t>19/09/2023</a:t>
+              <a:t>01/10/2023</a:t>
             </a:fld>
             <a:endParaRPr lang="en-GB"/>
           </a:p>
@@ -2394,7 +2399,7 @@
           <a:p>
             <a:fld id="{06BCACC7-8062-47A5-9E8D-17DF4420A138}" type="datetimeFigureOut">
               <a:rPr lang="en-GB" smtClean="0"/>
-              <a:t>19/09/2023</a:t>
+              <a:t>01/10/2023</a:t>
             </a:fld>
             <a:endParaRPr lang="en-GB"/>
           </a:p>
@@ -2683,7 +2688,7 @@
           <a:p>
             <a:fld id="{06BCACC7-8062-47A5-9E8D-17DF4420A138}" type="datetimeFigureOut">
               <a:rPr lang="en-GB" smtClean="0"/>
-              <a:t>19/09/2023</a:t>
+              <a:t>01/10/2023</a:t>
             </a:fld>
             <a:endParaRPr lang="en-GB"/>
           </a:p>
@@ -2926,7 +2931,7 @@
           <a:p>
             <a:fld id="{06BCACC7-8062-47A5-9E8D-17DF4420A138}" type="datetimeFigureOut">
               <a:rPr lang="en-GB" smtClean="0"/>
-              <a:t>19/09/2023</a:t>
+              <a:t>01/10/2023</a:t>
             </a:fld>
             <a:endParaRPr lang="en-GB"/>
           </a:p>
@@ -4894,7 +4899,7 @@
                 </a:solidFill>
                 <a:latin typeface="Palatino Linotype" panose="02040502050505030304" pitchFamily="18" charset="0"/>
               </a:rPr>
-              <a:t>, t-1</a:t>
+              <a:t>, t</a:t>
             </a:r>
             <a:endParaRPr lang="en-GB" baseline="-25000" dirty="0">
               <a:solidFill>
